--- a/doc/ebpf技术探索、实践.pptx
+++ b/doc/ebpf技术探索、实践.pptx
@@ -5,7 +5,7 @@
     <p:sldMasterId id="2147483648" r:id="rId1"/>
   </p:sldMasterIdLst>
   <p:notesMasterIdLst>
-    <p:notesMasterId r:id="rId16"/>
+    <p:notesMasterId r:id="rId17"/>
   </p:notesMasterIdLst>
   <p:sldIdLst>
     <p:sldId id="256" r:id="rId2"/>
@@ -14,14 +14,15 @@
     <p:sldId id="258" r:id="rId5"/>
     <p:sldId id="259" r:id="rId6"/>
     <p:sldId id="260" r:id="rId7"/>
-    <p:sldId id="261" r:id="rId8"/>
-    <p:sldId id="263" r:id="rId9"/>
-    <p:sldId id="265" r:id="rId10"/>
-    <p:sldId id="268" r:id="rId11"/>
-    <p:sldId id="266" r:id="rId12"/>
-    <p:sldId id="262" r:id="rId13"/>
-    <p:sldId id="264" r:id="rId14"/>
-    <p:sldId id="269" r:id="rId15"/>
+    <p:sldId id="270" r:id="rId8"/>
+    <p:sldId id="261" r:id="rId9"/>
+    <p:sldId id="263" r:id="rId10"/>
+    <p:sldId id="265" r:id="rId11"/>
+    <p:sldId id="268" r:id="rId12"/>
+    <p:sldId id="266" r:id="rId13"/>
+    <p:sldId id="262" r:id="rId14"/>
+    <p:sldId id="264" r:id="rId15"/>
+    <p:sldId id="269" r:id="rId16"/>
   </p:sldIdLst>
   <p:sldSz cx="12192000" cy="6858000"/>
   <p:notesSz cx="6858000" cy="9144000"/>
@@ -210,7 +211,7 @@
           <a:p>
             <a:fld id="{793E448A-3C21-445A-9EBA-50C6D97BEC3D}" type="datetimeFigureOut">
               <a:rPr lang="zh-CN" altLang="en-US" smtClean="0"/>
-              <a:t>2023/1/9</a:t>
+              <a:t>2023/1/13</a:t>
             </a:fld>
             <a:endParaRPr lang="zh-CN" altLang="en-US"/>
           </a:p>
@@ -856,7 +857,7 @@
           <a:p>
             <a:fld id="{27A98AF4-CC46-42AE-B988-258B247C6DD0}" type="slidenum">
               <a:rPr lang="zh-CN" altLang="en-US" smtClean="0"/>
-              <a:t>8</a:t>
+              <a:t>9</a:t>
             </a:fld>
             <a:endParaRPr lang="zh-CN" altLang="en-US"/>
           </a:p>
@@ -1022,7 +1023,7 @@
           <a:p>
             <a:fld id="{09F30A3F-0F86-4108-A488-99919F089874}" type="datetimeFigureOut">
               <a:rPr lang="zh-CN" altLang="en-US" smtClean="0"/>
-              <a:t>2023/1/9</a:t>
+              <a:t>2023/1/13</a:t>
             </a:fld>
             <a:endParaRPr lang="zh-CN" altLang="en-US"/>
           </a:p>
@@ -1220,7 +1221,7 @@
           <a:p>
             <a:fld id="{09F30A3F-0F86-4108-A488-99919F089874}" type="datetimeFigureOut">
               <a:rPr lang="zh-CN" altLang="en-US" smtClean="0"/>
-              <a:t>2023/1/9</a:t>
+              <a:t>2023/1/13</a:t>
             </a:fld>
             <a:endParaRPr lang="zh-CN" altLang="en-US"/>
           </a:p>
@@ -1428,7 +1429,7 @@
           <a:p>
             <a:fld id="{09F30A3F-0F86-4108-A488-99919F089874}" type="datetimeFigureOut">
               <a:rPr lang="zh-CN" altLang="en-US" smtClean="0"/>
-              <a:t>2023/1/9</a:t>
+              <a:t>2023/1/13</a:t>
             </a:fld>
             <a:endParaRPr lang="zh-CN" altLang="en-US"/>
           </a:p>
@@ -1626,7 +1627,7 @@
           <a:p>
             <a:fld id="{09F30A3F-0F86-4108-A488-99919F089874}" type="datetimeFigureOut">
               <a:rPr lang="zh-CN" altLang="en-US" smtClean="0"/>
-              <a:t>2023/1/9</a:t>
+              <a:t>2023/1/13</a:t>
             </a:fld>
             <a:endParaRPr lang="zh-CN" altLang="en-US"/>
           </a:p>
@@ -1901,7 +1902,7 @@
           <a:p>
             <a:fld id="{09F30A3F-0F86-4108-A488-99919F089874}" type="datetimeFigureOut">
               <a:rPr lang="zh-CN" altLang="en-US" smtClean="0"/>
-              <a:t>2023/1/9</a:t>
+              <a:t>2023/1/13</a:t>
             </a:fld>
             <a:endParaRPr lang="zh-CN" altLang="en-US"/>
           </a:p>
@@ -2166,7 +2167,7 @@
           <a:p>
             <a:fld id="{09F30A3F-0F86-4108-A488-99919F089874}" type="datetimeFigureOut">
               <a:rPr lang="zh-CN" altLang="en-US" smtClean="0"/>
-              <a:t>2023/1/9</a:t>
+              <a:t>2023/1/13</a:t>
             </a:fld>
             <a:endParaRPr lang="zh-CN" altLang="en-US"/>
           </a:p>
@@ -2578,7 +2579,7 @@
           <a:p>
             <a:fld id="{09F30A3F-0F86-4108-A488-99919F089874}" type="datetimeFigureOut">
               <a:rPr lang="zh-CN" altLang="en-US" smtClean="0"/>
-              <a:t>2023/1/9</a:t>
+              <a:t>2023/1/13</a:t>
             </a:fld>
             <a:endParaRPr lang="zh-CN" altLang="en-US"/>
           </a:p>
@@ -2719,7 +2720,7 @@
           <a:p>
             <a:fld id="{09F30A3F-0F86-4108-A488-99919F089874}" type="datetimeFigureOut">
               <a:rPr lang="zh-CN" altLang="en-US" smtClean="0"/>
-              <a:t>2023/1/9</a:t>
+              <a:t>2023/1/13</a:t>
             </a:fld>
             <a:endParaRPr lang="zh-CN" altLang="en-US"/>
           </a:p>
@@ -2832,7 +2833,7 @@
           <a:p>
             <a:fld id="{09F30A3F-0F86-4108-A488-99919F089874}" type="datetimeFigureOut">
               <a:rPr lang="zh-CN" altLang="en-US" smtClean="0"/>
-              <a:t>2023/1/9</a:t>
+              <a:t>2023/1/13</a:t>
             </a:fld>
             <a:endParaRPr lang="zh-CN" altLang="en-US"/>
           </a:p>
@@ -3143,7 +3144,7 @@
           <a:p>
             <a:fld id="{09F30A3F-0F86-4108-A488-99919F089874}" type="datetimeFigureOut">
               <a:rPr lang="zh-CN" altLang="en-US" smtClean="0"/>
-              <a:t>2023/1/9</a:t>
+              <a:t>2023/1/13</a:t>
             </a:fld>
             <a:endParaRPr lang="zh-CN" altLang="en-US"/>
           </a:p>
@@ -3431,7 +3432,7 @@
           <a:p>
             <a:fld id="{09F30A3F-0F86-4108-A488-99919F089874}" type="datetimeFigureOut">
               <a:rPr lang="zh-CN" altLang="en-US" smtClean="0"/>
-              <a:t>2023/1/9</a:t>
+              <a:t>2023/1/13</a:t>
             </a:fld>
             <a:endParaRPr lang="zh-CN" altLang="en-US"/>
           </a:p>
@@ -3672,7 +3673,7 @@
           <a:p>
             <a:fld id="{09F30A3F-0F86-4108-A488-99919F089874}" type="datetimeFigureOut">
               <a:rPr lang="zh-CN" altLang="en-US" smtClean="0"/>
-              <a:t>2023/1/9</a:t>
+              <a:t>2023/1/13</a:t>
             </a:fld>
             <a:endParaRPr lang="zh-CN" altLang="en-US"/>
           </a:p>
@@ -4626,6 +4627,483 @@
       </p:grpSpPr>
       <p:sp>
         <p:nvSpPr>
+          <p:cNvPr id="3" name="内容占位符 2">
+            <a:extLst>
+              <a:ext uri="{FF2B5EF4-FFF2-40B4-BE49-F238E27FC236}">
+                <a16:creationId xmlns:a16="http://schemas.microsoft.com/office/drawing/2014/main" id="{3611F76D-1C49-95FF-D462-42ECE0F046E5}"/>
+              </a:ext>
+            </a:extLst>
+          </p:cNvPr>
+          <p:cNvSpPr>
+            <a:spLocks noGrp="1"/>
+          </p:cNvSpPr>
+          <p:nvPr>
+            <p:ph idx="1"/>
+          </p:nvPr>
+        </p:nvSpPr>
+        <p:spPr>
+          <a:xfrm>
+            <a:off x="838200" y="1129446"/>
+            <a:ext cx="10515600" cy="5464175"/>
+          </a:xfrm>
+        </p:spPr>
+        <p:txBody>
+          <a:bodyPr/>
+          <a:lstStyle/>
+          <a:p>
+            <a:pPr lvl="1">
+              <a:lnSpc>
+                <a:spcPct val="150000"/>
+              </a:lnSpc>
+            </a:pPr>
+            <a:r>
+              <a:rPr lang="zh-CN" altLang="en-US" sz="1600" dirty="0">
+                <a:latin typeface="楷体" panose="02010609060101010101" pitchFamily="49" charset="-122"/>
+                <a:ea typeface="楷体" panose="02010609060101010101" pitchFamily="49" charset="-122"/>
+              </a:rPr>
+              <a:t>安全，</a:t>
+            </a:r>
+            <a:r>
+              <a:rPr lang="en-US" altLang="zh-CN" sz="1600" dirty="0" err="1">
+                <a:latin typeface="楷体" panose="02010609060101010101" pitchFamily="49" charset="-122"/>
+                <a:ea typeface="楷体" panose="02010609060101010101" pitchFamily="49" charset="-122"/>
+              </a:rPr>
+              <a:t>LSM（Linux</a:t>
+            </a:r>
+            <a:r>
+              <a:rPr lang="en-US" altLang="zh-CN" sz="1600" dirty="0">
+                <a:latin typeface="楷体" panose="02010609060101010101" pitchFamily="49" charset="-122"/>
+                <a:ea typeface="楷体" panose="02010609060101010101" pitchFamily="49" charset="-122"/>
+              </a:rPr>
+              <a:t> Security Module）</a:t>
+            </a:r>
+            <a:r>
+              <a:rPr lang="zh-CN" altLang="en-US" sz="1600" dirty="0">
+                <a:latin typeface="楷体" panose="02010609060101010101" pitchFamily="49" charset="-122"/>
+                <a:ea typeface="楷体" panose="02010609060101010101" pitchFamily="49" charset="-122"/>
+              </a:rPr>
+              <a:t>。</a:t>
+            </a:r>
+            <a:endParaRPr lang="en-US" altLang="zh-CN" sz="1600" dirty="0">
+              <a:latin typeface="楷体" panose="02010609060101010101" pitchFamily="49" charset="-122"/>
+              <a:ea typeface="楷体" panose="02010609060101010101" pitchFamily="49" charset="-122"/>
+            </a:endParaRPr>
+          </a:p>
+          <a:p>
+            <a:pPr marL="457200" lvl="1" indent="0">
+              <a:lnSpc>
+                <a:spcPct val="150000"/>
+              </a:lnSpc>
+              <a:buNone/>
+            </a:pPr>
+            <a:r>
+              <a:rPr lang="en-US" altLang="zh-CN" sz="1600" dirty="0">
+                <a:latin typeface="楷体" panose="02010609060101010101" pitchFamily="49" charset="-122"/>
+                <a:ea typeface="楷体" panose="02010609060101010101" pitchFamily="49" charset="-122"/>
+              </a:rPr>
+              <a:t>LSM</a:t>
+            </a:r>
+            <a:r>
+              <a:rPr lang="zh-CN" altLang="en-US" sz="1600" dirty="0">
+                <a:latin typeface="楷体" panose="02010609060101010101" pitchFamily="49" charset="-122"/>
+                <a:ea typeface="楷体" panose="02010609060101010101" pitchFamily="49" charset="-122"/>
+              </a:rPr>
+              <a:t>有上百个</a:t>
+            </a:r>
+            <a:r>
+              <a:rPr lang="en-US" altLang="zh-CN" sz="1600" dirty="0">
+                <a:latin typeface="楷体" panose="02010609060101010101" pitchFamily="49" charset="-122"/>
+                <a:ea typeface="楷体" panose="02010609060101010101" pitchFamily="49" charset="-122"/>
+              </a:rPr>
+              <a:t>hook</a:t>
+            </a:r>
+            <a:r>
+              <a:rPr lang="zh-CN" altLang="en-US" sz="1600" dirty="0">
+                <a:latin typeface="楷体" panose="02010609060101010101" pitchFamily="49" charset="-122"/>
+                <a:ea typeface="楷体" panose="02010609060101010101" pitchFamily="49" charset="-122"/>
+              </a:rPr>
+              <a:t>点，下面的代码在执行</a:t>
+            </a:r>
+            <a:r>
+              <a:rPr lang="en-US" altLang="zh-CN" sz="1600" dirty="0" err="1">
+                <a:latin typeface="楷体" panose="02010609060101010101" pitchFamily="49" charset="-122"/>
+                <a:ea typeface="楷体" panose="02010609060101010101" pitchFamily="49" charset="-122"/>
+              </a:rPr>
+              <a:t>chmod</a:t>
+            </a:r>
+            <a:r>
+              <a:rPr lang="zh-CN" altLang="en-US" sz="1600" dirty="0">
+                <a:latin typeface="楷体" panose="02010609060101010101" pitchFamily="49" charset="-122"/>
+                <a:ea typeface="楷体" panose="02010609060101010101" pitchFamily="49" charset="-122"/>
+              </a:rPr>
+              <a:t>改变某个文件权限时会触发</a:t>
+            </a:r>
+            <a:endParaRPr lang="en-US" altLang="zh-CN" sz="1600" dirty="0">
+              <a:latin typeface="楷体" panose="02010609060101010101" pitchFamily="49" charset="-122"/>
+              <a:ea typeface="楷体" panose="02010609060101010101" pitchFamily="49" charset="-122"/>
+            </a:endParaRPr>
+          </a:p>
+          <a:p>
+            <a:pPr marL="457200" lvl="1" indent="0">
+              <a:lnSpc>
+                <a:spcPct val="150000"/>
+              </a:lnSpc>
+              <a:buNone/>
+            </a:pPr>
+            <a:r>
+              <a:rPr lang="en-US" altLang="zh-CN" sz="1600" dirty="0">
+                <a:latin typeface="楷体" panose="02010609060101010101" pitchFamily="49" charset="-122"/>
+                <a:ea typeface="楷体" panose="02010609060101010101" pitchFamily="49" charset="-122"/>
+              </a:rPr>
+              <a:t>LSM hook</a:t>
+            </a:r>
+            <a:r>
+              <a:rPr lang="zh-CN" altLang="en-US" sz="1600" dirty="0">
+                <a:latin typeface="楷体" panose="02010609060101010101" pitchFamily="49" charset="-122"/>
+                <a:ea typeface="楷体" panose="02010609060101010101" pitchFamily="49" charset="-122"/>
+              </a:rPr>
+              <a:t>，这里可以做相应的安全策略，如果不允许执行返回非零，内核</a:t>
+            </a:r>
+            <a:endParaRPr lang="en-US" altLang="zh-CN" sz="1600" dirty="0">
+              <a:latin typeface="楷体" panose="02010609060101010101" pitchFamily="49" charset="-122"/>
+              <a:ea typeface="楷体" panose="02010609060101010101" pitchFamily="49" charset="-122"/>
+            </a:endParaRPr>
+          </a:p>
+          <a:p>
+            <a:pPr marL="457200" lvl="1" indent="0">
+              <a:lnSpc>
+                <a:spcPct val="150000"/>
+              </a:lnSpc>
+              <a:buNone/>
+            </a:pPr>
+            <a:r>
+              <a:rPr lang="zh-CN" altLang="en-US" sz="1600" dirty="0">
+                <a:latin typeface="楷体" panose="02010609060101010101" pitchFamily="49" charset="-122"/>
+                <a:ea typeface="楷体" panose="02010609060101010101" pitchFamily="49" charset="-122"/>
+              </a:rPr>
+              <a:t>将拒绝执行该命令。</a:t>
+            </a:r>
+            <a:r>
+              <a:rPr lang="en-US" altLang="zh-CN" sz="1200" dirty="0">
+                <a:hlinkClick r:id="rId2"/>
+              </a:rPr>
+              <a:t> LSM BPF Programs — The Linux Kernel documentation</a:t>
+            </a:r>
+            <a:r>
+              <a:rPr lang="zh-CN" altLang="en-US" sz="1200" dirty="0"/>
+              <a:t>，</a:t>
+            </a:r>
+            <a:r>
+              <a:rPr lang="en-US" altLang="zh-CN" sz="1200" dirty="0"/>
+              <a:t>kernel</a:t>
+            </a:r>
+            <a:r>
+              <a:rPr lang="zh-CN" altLang="en-US" sz="1200" dirty="0"/>
+              <a:t>：</a:t>
+            </a:r>
+            <a:r>
+              <a:rPr lang="en-US" altLang="zh-CN" sz="1200" dirty="0"/>
+              <a:t>5.7</a:t>
+            </a:r>
+            <a:endParaRPr lang="en-US" altLang="zh-CN" sz="1600" dirty="0">
+              <a:latin typeface="楷体" panose="02010609060101010101" pitchFamily="49" charset="-122"/>
+              <a:ea typeface="楷体" panose="02010609060101010101" pitchFamily="49" charset="-122"/>
+            </a:endParaRPr>
+          </a:p>
+          <a:p>
+            <a:pPr marL="457200" lvl="1" indent="0">
+              <a:lnSpc>
+                <a:spcPct val="150000"/>
+              </a:lnSpc>
+              <a:buNone/>
+            </a:pPr>
+            <a:endParaRPr lang="en-US" altLang="zh-CN" sz="1600" dirty="0">
+              <a:latin typeface="楷体" panose="02010609060101010101" pitchFamily="49" charset="-122"/>
+              <a:ea typeface="楷体" panose="02010609060101010101" pitchFamily="49" charset="-122"/>
+            </a:endParaRPr>
+          </a:p>
+          <a:p>
+            <a:pPr lvl="1">
+              <a:lnSpc>
+                <a:spcPct val="150000"/>
+              </a:lnSpc>
+            </a:pPr>
+            <a:endParaRPr lang="en-US" altLang="zh-CN" sz="1600" dirty="0">
+              <a:latin typeface="楷体" panose="02010609060101010101" pitchFamily="49" charset="-122"/>
+              <a:ea typeface="楷体" panose="02010609060101010101" pitchFamily="49" charset="-122"/>
+            </a:endParaRPr>
+          </a:p>
+          <a:p>
+            <a:pPr marL="457200" lvl="1" indent="0">
+              <a:lnSpc>
+                <a:spcPct val="150000"/>
+              </a:lnSpc>
+              <a:buNone/>
+            </a:pPr>
+            <a:endParaRPr lang="en-US" altLang="zh-CN" sz="1600" dirty="0">
+              <a:latin typeface="楷体" panose="02010609060101010101" pitchFamily="49" charset="-122"/>
+              <a:ea typeface="楷体" panose="02010609060101010101" pitchFamily="49" charset="-122"/>
+            </a:endParaRPr>
+          </a:p>
+          <a:p>
+            <a:pPr marL="457200" lvl="1" indent="0">
+              <a:lnSpc>
+                <a:spcPct val="150000"/>
+              </a:lnSpc>
+              <a:buNone/>
+            </a:pPr>
+            <a:r>
+              <a:rPr lang="zh-CN" altLang="en-US" sz="1600" dirty="0">
+                <a:latin typeface="楷体" panose="02010609060101010101" pitchFamily="49" charset="-122"/>
+                <a:ea typeface="楷体" panose="02010609060101010101" pitchFamily="49" charset="-122"/>
+              </a:rPr>
+              <a:t>对内核版本要求比较新。基于此业界也有其它的处理方式，例如</a:t>
+            </a:r>
+            <a:endParaRPr lang="en-US" altLang="zh-CN" sz="1600" dirty="0">
+              <a:latin typeface="楷体" panose="02010609060101010101" pitchFamily="49" charset="-122"/>
+              <a:ea typeface="楷体" panose="02010609060101010101" pitchFamily="49" charset="-122"/>
+            </a:endParaRPr>
+          </a:p>
+          <a:p>
+            <a:pPr marL="457200" lvl="1" indent="0">
+              <a:lnSpc>
+                <a:spcPct val="150000"/>
+              </a:lnSpc>
+              <a:buNone/>
+            </a:pPr>
+            <a:r>
+              <a:rPr lang="en-US" altLang="zh-CN" sz="1600" dirty="0">
+                <a:latin typeface="楷体" panose="02010609060101010101" pitchFamily="49" charset="-122"/>
+                <a:ea typeface="楷体" panose="02010609060101010101" pitchFamily="49" charset="-122"/>
+              </a:rPr>
+              <a:t>Tetragon</a:t>
+            </a:r>
+            <a:r>
+              <a:rPr lang="zh-CN" altLang="en-US" sz="1600" dirty="0">
+                <a:latin typeface="楷体" panose="02010609060101010101" pitchFamily="49" charset="-122"/>
+                <a:ea typeface="楷体" panose="02010609060101010101" pitchFamily="49" charset="-122"/>
+              </a:rPr>
+              <a:t>的阻断方式，</a:t>
+            </a:r>
+            <a:r>
+              <a:rPr lang="en-US" altLang="zh-CN" sz="1600" dirty="0">
+                <a:latin typeface="楷体" panose="02010609060101010101" pitchFamily="49" charset="-122"/>
+                <a:ea typeface="楷体" panose="02010609060101010101" pitchFamily="49" charset="-122"/>
+              </a:rPr>
+              <a:t>hook</a:t>
+            </a:r>
+            <a:r>
+              <a:rPr lang="zh-CN" altLang="en-US" sz="1600" dirty="0">
+                <a:latin typeface="楷体" panose="02010609060101010101" pitchFamily="49" charset="-122"/>
+                <a:ea typeface="楷体" panose="02010609060101010101" pitchFamily="49" charset="-122"/>
+              </a:rPr>
+              <a:t>系统内核函数，进行匹配过滤。</a:t>
+            </a:r>
+            <a:endParaRPr lang="en-US" altLang="zh-CN" sz="1600" dirty="0">
+              <a:latin typeface="楷体" panose="02010609060101010101" pitchFamily="49" charset="-122"/>
+              <a:ea typeface="楷体" panose="02010609060101010101" pitchFamily="49" charset="-122"/>
+            </a:endParaRPr>
+          </a:p>
+          <a:p>
+            <a:pPr marL="457200" lvl="1" indent="0">
+              <a:lnSpc>
+                <a:spcPct val="150000"/>
+              </a:lnSpc>
+              <a:buNone/>
+            </a:pPr>
+            <a:endParaRPr lang="en-US" altLang="zh-CN" sz="1600" dirty="0">
+              <a:latin typeface="楷体" panose="02010609060101010101" pitchFamily="49" charset="-122"/>
+              <a:ea typeface="楷体" panose="02010609060101010101" pitchFamily="49" charset="-122"/>
+            </a:endParaRPr>
+          </a:p>
+        </p:txBody>
+      </p:sp>
+      <p:sp>
+        <p:nvSpPr>
+          <p:cNvPr id="4" name="标题 4">
+            <a:extLst>
+              <a:ext uri="{FF2B5EF4-FFF2-40B4-BE49-F238E27FC236}">
+                <a16:creationId xmlns:a16="http://schemas.microsoft.com/office/drawing/2014/main" id="{D0CB5AFB-5AC6-8084-C0FC-1403A383A61F}"/>
+              </a:ext>
+            </a:extLst>
+          </p:cNvPr>
+          <p:cNvSpPr txBox="1">
+            <a:spLocks/>
+          </p:cNvSpPr>
+          <p:nvPr/>
+        </p:nvSpPr>
+        <p:spPr>
+          <a:xfrm>
+            <a:off x="838200" y="365125"/>
+            <a:ext cx="10515600" cy="663575"/>
+          </a:xfrm>
+          <a:prstGeom prst="rect">
+            <a:avLst/>
+          </a:prstGeom>
+        </p:spPr>
+        <p:txBody>
+          <a:bodyPr vert="horz" lIns="91440" tIns="45720" rIns="91440" bIns="45720" rtlCol="0" anchor="ctr">
+            <a:normAutofit/>
+          </a:bodyPr>
+          <a:lstStyle>
+            <a:lvl1pPr algn="l" defTabSz="914400" rtl="0" eaLnBrk="1" latinLnBrk="0" hangingPunct="1">
+              <a:lnSpc>
+                <a:spcPct val="90000"/>
+              </a:lnSpc>
+              <a:spcBef>
+                <a:spcPct val="0"/>
+              </a:spcBef>
+              <a:buNone/>
+              <a:defRPr sz="4400" kern="1200">
+                <a:solidFill>
+                  <a:schemeClr val="tx1"/>
+                </a:solidFill>
+                <a:latin typeface="+mj-lt"/>
+                <a:ea typeface="+mj-ea"/>
+                <a:cs typeface="+mj-cs"/>
+              </a:defRPr>
+            </a:lvl1pPr>
+          </a:lstStyle>
+          <a:p>
+            <a:r>
+              <a:rPr lang="zh-CN" altLang="en-US" sz="2800" dirty="0">
+                <a:latin typeface="楷体" panose="02010609060101010101" pitchFamily="49" charset="-122"/>
+                <a:ea typeface="楷体" panose="02010609060101010101" pitchFamily="49" charset="-122"/>
+              </a:rPr>
+              <a:t>在三个方向</a:t>
+            </a:r>
+            <a:r>
+              <a:rPr lang="zh-CN" altLang="en-US" sz="2800" dirty="0">
+                <a:latin typeface="微软雅黑" panose="020B0503020204020204" pitchFamily="34" charset="-122"/>
+                <a:ea typeface="微软雅黑" panose="020B0503020204020204" pitchFamily="34" charset="-122"/>
+              </a:rPr>
+              <a:t>实践方向</a:t>
+            </a:r>
+          </a:p>
+        </p:txBody>
+      </p:sp>
+      <p:pic>
+        <p:nvPicPr>
+          <p:cNvPr id="5" name="图片 4">
+            <a:extLst>
+              <a:ext uri="{FF2B5EF4-FFF2-40B4-BE49-F238E27FC236}">
+                <a16:creationId xmlns:a16="http://schemas.microsoft.com/office/drawing/2014/main" id="{152A012B-FBA2-A62A-9B39-F8F90961634B}"/>
+              </a:ext>
+            </a:extLst>
+          </p:cNvPr>
+          <p:cNvPicPr>
+            <a:picLocks noChangeAspect="1"/>
+          </p:cNvPicPr>
+          <p:nvPr/>
+        </p:nvPicPr>
+        <p:blipFill>
+          <a:blip r:embed="rId3"/>
+          <a:stretch>
+            <a:fillRect/>
+          </a:stretch>
+        </p:blipFill>
+        <p:spPr>
+          <a:xfrm>
+            <a:off x="745578" y="264378"/>
+            <a:ext cx="1927334" cy="677612"/>
+          </a:xfrm>
+          <a:prstGeom prst="rect">
+            <a:avLst/>
+          </a:prstGeom>
+        </p:spPr>
+      </p:pic>
+      <p:pic>
+        <p:nvPicPr>
+          <p:cNvPr id="7" name="图片 6">
+            <a:extLst>
+              <a:ext uri="{FF2B5EF4-FFF2-40B4-BE49-F238E27FC236}">
+                <a16:creationId xmlns:a16="http://schemas.microsoft.com/office/drawing/2014/main" id="{7BBDF3E6-C7D7-135E-755A-E6085E8C3247}"/>
+              </a:ext>
+            </a:extLst>
+          </p:cNvPr>
+          <p:cNvPicPr>
+            <a:picLocks noChangeAspect="1"/>
+          </p:cNvPicPr>
+          <p:nvPr/>
+        </p:nvPicPr>
+        <p:blipFill>
+          <a:blip r:embed="rId4"/>
+          <a:stretch>
+            <a:fillRect/>
+          </a:stretch>
+        </p:blipFill>
+        <p:spPr>
+          <a:xfrm>
+            <a:off x="8082688" y="1256667"/>
+            <a:ext cx="3328329" cy="3009603"/>
+          </a:xfrm>
+          <a:prstGeom prst="rect">
+            <a:avLst/>
+          </a:prstGeom>
+        </p:spPr>
+      </p:pic>
+      <p:pic>
+        <p:nvPicPr>
+          <p:cNvPr id="9" name="图片 8">
+            <a:extLst>
+              <a:ext uri="{FF2B5EF4-FFF2-40B4-BE49-F238E27FC236}">
+                <a16:creationId xmlns:a16="http://schemas.microsoft.com/office/drawing/2014/main" id="{D6AACD6C-4870-07F6-92C8-0EE89F240333}"/>
+              </a:ext>
+            </a:extLst>
+          </p:cNvPr>
+          <p:cNvPicPr>
+            <a:picLocks noChangeAspect="1"/>
+          </p:cNvPicPr>
+          <p:nvPr/>
+        </p:nvPicPr>
+        <p:blipFill>
+          <a:blip r:embed="rId5"/>
+          <a:stretch>
+            <a:fillRect/>
+          </a:stretch>
+        </p:blipFill>
+        <p:spPr>
+          <a:xfrm>
+            <a:off x="1340691" y="3045988"/>
+            <a:ext cx="5570703" cy="1013548"/>
+          </a:xfrm>
+          <a:prstGeom prst="rect">
+            <a:avLst/>
+          </a:prstGeom>
+        </p:spPr>
+      </p:pic>
+    </p:spTree>
+    <p:extLst>
+      <p:ext uri="{BB962C8B-B14F-4D97-AF65-F5344CB8AC3E}">
+        <p14:creationId xmlns:p14="http://schemas.microsoft.com/office/powerpoint/2010/main" val="2999874406"/>
+      </p:ext>
+    </p:extLst>
+  </p:cSld>
+  <p:clrMapOvr>
+    <a:masterClrMapping/>
+  </p:clrMapOvr>
+</p:sld>
+</file>
+
+<file path=ppt/slides/slide11.xml><?xml version="1.0" encoding="utf-8"?>
+<p:sld xmlns:a="http://schemas.openxmlformats.org/drawingml/2006/main" xmlns:r="http://schemas.openxmlformats.org/officeDocument/2006/relationships" xmlns:p="http://schemas.openxmlformats.org/presentationml/2006/main">
+  <p:cSld>
+    <p:spTree>
+      <p:nvGrpSpPr>
+        <p:cNvPr id="1" name=""/>
+        <p:cNvGrpSpPr/>
+        <p:nvPr/>
+      </p:nvGrpSpPr>
+      <p:grpSpPr>
+        <a:xfrm>
+          <a:off x="0" y="0"/>
+          <a:ext cx="0" cy="0"/>
+          <a:chOff x="0" y="0"/>
+          <a:chExt cx="0" cy="0"/>
+        </a:xfrm>
+      </p:grpSpPr>
+      <p:sp>
+        <p:nvSpPr>
           <p:cNvPr id="4" name="标题 4">
             <a:extLst>
               <a:ext uri="{FF2B5EF4-FFF2-40B4-BE49-F238E27FC236}">
@@ -4763,7 +5241,7 @@
 </p:sld>
 </file>
 
-<file path=ppt/slides/slide11.xml><?xml version="1.0" encoding="utf-8"?>
+<file path=ppt/slides/slide12.xml><?xml version="1.0" encoding="utf-8"?>
 <p:sld xmlns:a="http://schemas.openxmlformats.org/drawingml/2006/main" xmlns:r="http://schemas.openxmlformats.org/officeDocument/2006/relationships" xmlns:p="http://schemas.openxmlformats.org/presentationml/2006/main">
   <p:cSld>
     <p:spTree>
@@ -5287,7 +5765,7 @@
 </p:sld>
 </file>
 
-<file path=ppt/slides/slide12.xml><?xml version="1.0" encoding="utf-8"?>
+<file path=ppt/slides/slide13.xml><?xml version="1.0" encoding="utf-8"?>
 <p:sld xmlns:a="http://schemas.openxmlformats.org/drawingml/2006/main" xmlns:r="http://schemas.openxmlformats.org/officeDocument/2006/relationships" xmlns:p="http://schemas.openxmlformats.org/presentationml/2006/main">
   <p:cSld>
     <p:spTree>
@@ -5654,7 +6132,7 @@
 </p:sld>
 </file>
 
-<file path=ppt/slides/slide13.xml><?xml version="1.0" encoding="utf-8"?>
+<file path=ppt/slides/slide14.xml><?xml version="1.0" encoding="utf-8"?>
 <p:sld xmlns:a="http://schemas.openxmlformats.org/drawingml/2006/main" xmlns:r="http://schemas.openxmlformats.org/officeDocument/2006/relationships" xmlns:p="http://schemas.openxmlformats.org/presentationml/2006/main">
   <p:cSld>
     <p:spTree>
@@ -5796,7 +6274,7 @@
 </p:sld>
 </file>
 
-<file path=ppt/slides/slide14.xml><?xml version="1.0" encoding="utf-8"?>
+<file path=ppt/slides/slide15.xml><?xml version="1.0" encoding="utf-8"?>
 <p:sld xmlns:a="http://schemas.openxmlformats.org/drawingml/2006/main" xmlns:r="http://schemas.openxmlformats.org/officeDocument/2006/relationships" xmlns:p="http://schemas.openxmlformats.org/presentationml/2006/main">
   <p:cSld>
     <p:spTree>
@@ -8048,6 +8526,387 @@
           <p:cNvPr id="3" name="内容占位符 2">
             <a:extLst>
               <a:ext uri="{FF2B5EF4-FFF2-40B4-BE49-F238E27FC236}">
+                <a16:creationId xmlns:a16="http://schemas.microsoft.com/office/drawing/2014/main" id="{52812B5A-D61A-4C97-BE25-019345AA80C5}"/>
+              </a:ext>
+            </a:extLst>
+          </p:cNvPr>
+          <p:cNvSpPr>
+            <a:spLocks noGrp="1"/>
+          </p:cNvSpPr>
+          <p:nvPr>
+            <p:ph idx="1"/>
+          </p:nvPr>
+        </p:nvSpPr>
+        <p:spPr>
+          <a:xfrm>
+            <a:off x="838200" y="1129447"/>
+            <a:ext cx="10515600" cy="5047516"/>
+          </a:xfrm>
+        </p:spPr>
+        <p:txBody>
+          <a:bodyPr>
+            <a:normAutofit/>
+          </a:bodyPr>
+          <a:lstStyle/>
+          <a:p>
+            <a:r>
+              <a:rPr lang="zh-CN" altLang="en-US" sz="2000" dirty="0">
+                <a:latin typeface="楷体" panose="02010609060101010101" pitchFamily="49" charset="-122"/>
+                <a:ea typeface="楷体" panose="02010609060101010101" pitchFamily="49" charset="-122"/>
+              </a:rPr>
+              <a:t>导出</a:t>
+            </a:r>
+            <a:r>
+              <a:rPr lang="en-US" altLang="zh-CN" sz="2000" dirty="0" err="1">
+                <a:latin typeface="楷体" panose="02010609060101010101" pitchFamily="49" charset="-122"/>
+                <a:ea typeface="楷体" panose="02010609060101010101" pitchFamily="49" charset="-122"/>
+              </a:rPr>
+              <a:t>eBPF</a:t>
+            </a:r>
+            <a:r>
+              <a:rPr lang="zh-CN" altLang="en-US" sz="2000" dirty="0">
+                <a:latin typeface="楷体" panose="02010609060101010101" pitchFamily="49" charset="-122"/>
+                <a:ea typeface="楷体" panose="02010609060101010101" pitchFamily="49" charset="-122"/>
+              </a:rPr>
+              <a:t>字节码，</a:t>
+            </a:r>
+            <a:r>
+              <a:rPr lang="en-US" altLang="zh-CN" sz="2000" dirty="0" err="1">
+                <a:latin typeface="楷体" panose="02010609060101010101" pitchFamily="49" charset="-122"/>
+                <a:ea typeface="楷体" panose="02010609060101010101" pitchFamily="49" charset="-122"/>
+              </a:rPr>
+              <a:t>readelf</a:t>
+            </a:r>
+            <a:r>
+              <a:rPr lang="en-US" altLang="zh-CN" sz="2000" dirty="0">
+                <a:latin typeface="楷体" panose="02010609060101010101" pitchFamily="49" charset="-122"/>
+                <a:ea typeface="楷体" panose="02010609060101010101" pitchFamily="49" charset="-122"/>
+              </a:rPr>
+              <a:t> -x </a:t>
+            </a:r>
+            <a:r>
+              <a:rPr lang="en-US" altLang="zh-CN" sz="2000" dirty="0" err="1">
+                <a:latin typeface="楷体" panose="02010609060101010101" pitchFamily="49" charset="-122"/>
+                <a:ea typeface="楷体" panose="02010609060101010101" pitchFamily="49" charset="-122"/>
+              </a:rPr>
+              <a:t>kprobe</a:t>
+            </a:r>
+            <a:r>
+              <a:rPr lang="en-US" altLang="zh-CN" sz="2000" dirty="0">
+                <a:latin typeface="楷体" panose="02010609060101010101" pitchFamily="49" charset="-122"/>
+                <a:ea typeface="楷体" panose="02010609060101010101" pitchFamily="49" charset="-122"/>
+              </a:rPr>
+              <a:t>/</a:t>
+            </a:r>
+            <a:r>
+              <a:rPr lang="en-US" altLang="zh-CN" sz="2000" dirty="0" err="1">
+                <a:latin typeface="楷体" panose="02010609060101010101" pitchFamily="49" charset="-122"/>
+                <a:ea typeface="楷体" panose="02010609060101010101" pitchFamily="49" charset="-122"/>
+              </a:rPr>
+              <a:t>sys_openat</a:t>
+            </a:r>
+            <a:r>
+              <a:rPr lang="en-US" altLang="zh-CN" sz="2000" dirty="0">
+                <a:latin typeface="楷体" panose="02010609060101010101" pitchFamily="49" charset="-122"/>
+                <a:ea typeface="楷体" panose="02010609060101010101" pitchFamily="49" charset="-122"/>
+              </a:rPr>
+              <a:t> ./</a:t>
+            </a:r>
+            <a:r>
+              <a:rPr lang="en-US" altLang="zh-CN" sz="2000" dirty="0" err="1">
+                <a:latin typeface="楷体" panose="02010609060101010101" pitchFamily="49" charset="-122"/>
+                <a:ea typeface="楷体" panose="02010609060101010101" pitchFamily="49" charset="-122"/>
+              </a:rPr>
+              <a:t>xm_trace.bpf.o</a:t>
+            </a:r>
+            <a:endParaRPr lang="en-US" altLang="zh-CN" sz="2000" dirty="0">
+              <a:latin typeface="楷体" panose="02010609060101010101" pitchFamily="49" charset="-122"/>
+              <a:ea typeface="楷体" panose="02010609060101010101" pitchFamily="49" charset="-122"/>
+            </a:endParaRPr>
+          </a:p>
+          <a:p>
+            <a:pPr marL="0" indent="0">
+              <a:buNone/>
+            </a:pPr>
+            <a:endParaRPr lang="en-US" altLang="zh-CN" sz="2000" dirty="0">
+              <a:latin typeface="楷体" panose="02010609060101010101" pitchFamily="49" charset="-122"/>
+              <a:ea typeface="楷体" panose="02010609060101010101" pitchFamily="49" charset="-122"/>
+            </a:endParaRPr>
+          </a:p>
+          <a:p>
+            <a:pPr marL="0" indent="0">
+              <a:buNone/>
+            </a:pPr>
+            <a:endParaRPr lang="en-US" altLang="zh-CN" sz="2000" dirty="0">
+              <a:latin typeface="楷体" panose="02010609060101010101" pitchFamily="49" charset="-122"/>
+              <a:ea typeface="楷体" panose="02010609060101010101" pitchFamily="49" charset="-122"/>
+            </a:endParaRPr>
+          </a:p>
+          <a:p>
+            <a:pPr marL="0" indent="0">
+              <a:buNone/>
+            </a:pPr>
+            <a:endParaRPr lang="en-US" altLang="zh-CN" sz="2000" dirty="0">
+              <a:latin typeface="楷体" panose="02010609060101010101" pitchFamily="49" charset="-122"/>
+              <a:ea typeface="楷体" panose="02010609060101010101" pitchFamily="49" charset="-122"/>
+            </a:endParaRPr>
+          </a:p>
+          <a:p>
+            <a:pPr marL="0" indent="0">
+              <a:buNone/>
+            </a:pPr>
+            <a:endParaRPr lang="en-US" altLang="zh-CN" sz="2000" dirty="0">
+              <a:latin typeface="楷体" panose="02010609060101010101" pitchFamily="49" charset="-122"/>
+              <a:ea typeface="楷体" panose="02010609060101010101" pitchFamily="49" charset="-122"/>
+            </a:endParaRPr>
+          </a:p>
+          <a:p>
+            <a:pPr marL="0" indent="0">
+              <a:buNone/>
+            </a:pPr>
+            <a:endParaRPr lang="en-US" altLang="zh-CN" sz="2000" dirty="0">
+              <a:latin typeface="楷体" panose="02010609060101010101" pitchFamily="49" charset="-122"/>
+              <a:ea typeface="楷体" panose="02010609060101010101" pitchFamily="49" charset="-122"/>
+            </a:endParaRPr>
+          </a:p>
+          <a:p>
+            <a:pPr marL="0" indent="0">
+              <a:buNone/>
+            </a:pPr>
+            <a:endParaRPr lang="en-US" altLang="zh-CN" sz="2000" dirty="0">
+              <a:latin typeface="楷体" panose="02010609060101010101" pitchFamily="49" charset="-122"/>
+              <a:ea typeface="楷体" panose="02010609060101010101" pitchFamily="49" charset="-122"/>
+            </a:endParaRPr>
+          </a:p>
+          <a:p>
+            <a:r>
+              <a:rPr lang="zh-CN" altLang="en-US" sz="2000" dirty="0">
+                <a:latin typeface="楷体" panose="02010609060101010101" pitchFamily="49" charset="-122"/>
+                <a:ea typeface="楷体" panose="02010609060101010101" pitchFamily="49" charset="-122"/>
+              </a:rPr>
+              <a:t>字节码反汇编，</a:t>
+            </a:r>
+            <a:r>
+              <a:rPr lang="en-US" altLang="zh-CN" sz="2000" dirty="0" err="1">
+                <a:latin typeface="楷体" panose="02010609060101010101" pitchFamily="49" charset="-122"/>
+                <a:ea typeface="楷体" panose="02010609060101010101" pitchFamily="49" charset="-122"/>
+              </a:rPr>
+              <a:t>llvm-objdump</a:t>
+            </a:r>
+            <a:r>
+              <a:rPr lang="en-US" altLang="zh-CN" sz="2000" dirty="0">
+                <a:latin typeface="楷体" panose="02010609060101010101" pitchFamily="49" charset="-122"/>
+                <a:ea typeface="楷体" panose="02010609060101010101" pitchFamily="49" charset="-122"/>
+              </a:rPr>
+              <a:t> -S --no-show-raw-</a:t>
+            </a:r>
+            <a:r>
+              <a:rPr lang="en-US" altLang="zh-CN" sz="2000" dirty="0" err="1">
+                <a:latin typeface="楷体" panose="02010609060101010101" pitchFamily="49" charset="-122"/>
+                <a:ea typeface="楷体" panose="02010609060101010101" pitchFamily="49" charset="-122"/>
+              </a:rPr>
+              <a:t>insn</a:t>
+            </a:r>
+            <a:r>
+              <a:rPr lang="en-US" altLang="zh-CN" sz="2000" dirty="0">
+                <a:latin typeface="楷体" panose="02010609060101010101" pitchFamily="49" charset="-122"/>
+                <a:ea typeface="楷体" panose="02010609060101010101" pitchFamily="49" charset="-122"/>
+              </a:rPr>
+              <a:t> ./</a:t>
+            </a:r>
+            <a:r>
+              <a:rPr lang="en-US" altLang="zh-CN" sz="2000" dirty="0" err="1">
+                <a:latin typeface="楷体" panose="02010609060101010101" pitchFamily="49" charset="-122"/>
+                <a:ea typeface="楷体" panose="02010609060101010101" pitchFamily="49" charset="-122"/>
+              </a:rPr>
+              <a:t>xm_trace.bpf.o</a:t>
+            </a:r>
+            <a:endParaRPr lang="en-US" altLang="zh-CN" sz="2000" dirty="0">
+              <a:latin typeface="楷体" panose="02010609060101010101" pitchFamily="49" charset="-122"/>
+              <a:ea typeface="楷体" panose="02010609060101010101" pitchFamily="49" charset="-122"/>
+            </a:endParaRPr>
+          </a:p>
+          <a:p>
+            <a:pPr marL="0" indent="0">
+              <a:buNone/>
+            </a:pPr>
+            <a:endParaRPr lang="en-US" altLang="zh-CN" sz="2000" dirty="0">
+              <a:latin typeface="楷体" panose="02010609060101010101" pitchFamily="49" charset="-122"/>
+              <a:ea typeface="楷体" panose="02010609060101010101" pitchFamily="49" charset="-122"/>
+            </a:endParaRPr>
+          </a:p>
+        </p:txBody>
+      </p:sp>
+      <p:sp>
+        <p:nvSpPr>
+          <p:cNvPr id="4" name="标题 4">
+            <a:extLst>
+              <a:ext uri="{FF2B5EF4-FFF2-40B4-BE49-F238E27FC236}">
+                <a16:creationId xmlns:a16="http://schemas.microsoft.com/office/drawing/2014/main" id="{5CA73132-671E-40B4-A9E9-8E5030E04670}"/>
+              </a:ext>
+            </a:extLst>
+          </p:cNvPr>
+          <p:cNvSpPr>
+            <a:spLocks noGrp="1"/>
+          </p:cNvSpPr>
+          <p:nvPr>
+            <p:ph type="title"/>
+          </p:nvPr>
+        </p:nvSpPr>
+        <p:spPr>
+          <a:xfrm>
+            <a:off x="838200" y="365125"/>
+            <a:ext cx="10515600" cy="663575"/>
+          </a:xfrm>
+        </p:spPr>
+        <p:txBody>
+          <a:bodyPr>
+            <a:normAutofit/>
+          </a:bodyPr>
+          <a:lstStyle/>
+          <a:p>
+            <a:r>
+              <a:rPr lang="zh-CN" altLang="en-US" sz="2800" dirty="0">
+                <a:latin typeface="微软雅黑" panose="020B0503020204020204" pitchFamily="34" charset="-122"/>
+                <a:ea typeface="微软雅黑" panose="020B0503020204020204" pitchFamily="34" charset="-122"/>
+              </a:rPr>
+              <a:t>                 </a:t>
+            </a:r>
+            <a:r>
+              <a:rPr lang="zh-CN" altLang="en-US" sz="2800" dirty="0">
+                <a:latin typeface="楷体" panose="02010609060101010101" pitchFamily="49" charset="-122"/>
+                <a:ea typeface="楷体" panose="02010609060101010101" pitchFamily="49" charset="-122"/>
+              </a:rPr>
+              <a:t>命令</a:t>
+            </a:r>
+          </a:p>
+        </p:txBody>
+      </p:sp>
+      <p:pic>
+        <p:nvPicPr>
+          <p:cNvPr id="5" name="图片 4">
+            <a:extLst>
+              <a:ext uri="{FF2B5EF4-FFF2-40B4-BE49-F238E27FC236}">
+                <a16:creationId xmlns:a16="http://schemas.microsoft.com/office/drawing/2014/main" id="{F8999A6A-6C32-4C5D-97C9-445B5CF082A8}"/>
+              </a:ext>
+            </a:extLst>
+          </p:cNvPr>
+          <p:cNvPicPr>
+            <a:picLocks noChangeAspect="1"/>
+          </p:cNvPicPr>
+          <p:nvPr/>
+        </p:nvPicPr>
+        <p:blipFill>
+          <a:blip r:embed="rId2"/>
+          <a:stretch>
+            <a:fillRect/>
+          </a:stretch>
+        </p:blipFill>
+        <p:spPr>
+          <a:xfrm>
+            <a:off x="745578" y="264378"/>
+            <a:ext cx="1927334" cy="677612"/>
+          </a:xfrm>
+          <a:prstGeom prst="rect">
+            <a:avLst/>
+          </a:prstGeom>
+        </p:spPr>
+      </p:pic>
+      <p:pic>
+        <p:nvPicPr>
+          <p:cNvPr id="7" name="图片 6">
+            <a:extLst>
+              <a:ext uri="{FF2B5EF4-FFF2-40B4-BE49-F238E27FC236}">
+                <a16:creationId xmlns:a16="http://schemas.microsoft.com/office/drawing/2014/main" id="{363FC39D-9D49-4F32-8624-760523077A37}"/>
+              </a:ext>
+            </a:extLst>
+          </p:cNvPr>
+          <p:cNvPicPr>
+            <a:picLocks noChangeAspect="1"/>
+          </p:cNvPicPr>
+          <p:nvPr/>
+        </p:nvPicPr>
+        <p:blipFill>
+          <a:blip r:embed="rId3"/>
+          <a:stretch>
+            <a:fillRect/>
+          </a:stretch>
+        </p:blipFill>
+        <p:spPr>
+          <a:xfrm>
+            <a:off x="980524" y="1527173"/>
+            <a:ext cx="10230951" cy="2126032"/>
+          </a:xfrm>
+          <a:prstGeom prst="rect">
+            <a:avLst/>
+          </a:prstGeom>
+        </p:spPr>
+      </p:pic>
+      <p:pic>
+        <p:nvPicPr>
+          <p:cNvPr id="9" name="图片 8">
+            <a:extLst>
+              <a:ext uri="{FF2B5EF4-FFF2-40B4-BE49-F238E27FC236}">
+                <a16:creationId xmlns:a16="http://schemas.microsoft.com/office/drawing/2014/main" id="{74D5770F-F436-4E52-9171-06818032409E}"/>
+              </a:ext>
+            </a:extLst>
+          </p:cNvPr>
+          <p:cNvPicPr>
+            <a:picLocks noChangeAspect="1"/>
+          </p:cNvPicPr>
+          <p:nvPr/>
+        </p:nvPicPr>
+        <p:blipFill>
+          <a:blip r:embed="rId4"/>
+          <a:stretch>
+            <a:fillRect/>
+          </a:stretch>
+        </p:blipFill>
+        <p:spPr>
+          <a:xfrm>
+            <a:off x="2143977" y="4369605"/>
+            <a:ext cx="7904046" cy="2123270"/>
+          </a:xfrm>
+          <a:prstGeom prst="rect">
+            <a:avLst/>
+          </a:prstGeom>
+        </p:spPr>
+      </p:pic>
+    </p:spTree>
+    <p:extLst>
+      <p:ext uri="{BB962C8B-B14F-4D97-AF65-F5344CB8AC3E}">
+        <p14:creationId xmlns:p14="http://schemas.microsoft.com/office/powerpoint/2010/main" val="3395083937"/>
+      </p:ext>
+    </p:extLst>
+  </p:cSld>
+  <p:clrMapOvr>
+    <a:masterClrMapping/>
+  </p:clrMapOvr>
+</p:sld>
+</file>
+
+<file path=ppt/slides/slide8.xml><?xml version="1.0" encoding="utf-8"?>
+<p:sld xmlns:a="http://schemas.openxmlformats.org/drawingml/2006/main" xmlns:r="http://schemas.openxmlformats.org/officeDocument/2006/relationships" xmlns:p="http://schemas.openxmlformats.org/presentationml/2006/main">
+  <p:cSld>
+    <p:spTree>
+      <p:nvGrpSpPr>
+        <p:cNvPr id="1" name=""/>
+        <p:cNvGrpSpPr/>
+        <p:nvPr/>
+      </p:nvGrpSpPr>
+      <p:grpSpPr>
+        <a:xfrm>
+          <a:off x="0" y="0"/>
+          <a:ext cx="0" cy="0"/>
+          <a:chOff x="0" y="0"/>
+          <a:chExt cx="0" cy="0"/>
+        </a:xfrm>
+      </p:grpSpPr>
+      <p:sp>
+        <p:nvSpPr>
+          <p:cNvPr id="3" name="内容占位符 2">
+            <a:extLst>
+              <a:ext uri="{FF2B5EF4-FFF2-40B4-BE49-F238E27FC236}">
                 <a16:creationId xmlns:a16="http://schemas.microsoft.com/office/drawing/2014/main" id="{0F7736D8-D024-48BC-9975-DE1320760812}"/>
               </a:ext>
             </a:extLst>
@@ -8770,7 +9629,7 @@
 </p:sld>
 </file>
 
-<file path=ppt/slides/slide8.xml><?xml version="1.0" encoding="utf-8"?>
+<file path=ppt/slides/slide9.xml><?xml version="1.0" encoding="utf-8"?>
 <p:sld xmlns:a="http://schemas.openxmlformats.org/drawingml/2006/main" xmlns:r="http://schemas.openxmlformats.org/officeDocument/2006/relationships" xmlns:p="http://schemas.openxmlformats.org/presentationml/2006/main">
   <p:cSld>
     <p:spTree>
@@ -9184,483 +10043,6 @@
 </p:sld>
 </file>
 
-<file path=ppt/slides/slide9.xml><?xml version="1.0" encoding="utf-8"?>
-<p:sld xmlns:a="http://schemas.openxmlformats.org/drawingml/2006/main" xmlns:r="http://schemas.openxmlformats.org/officeDocument/2006/relationships" xmlns:p="http://schemas.openxmlformats.org/presentationml/2006/main">
-  <p:cSld>
-    <p:spTree>
-      <p:nvGrpSpPr>
-        <p:cNvPr id="1" name=""/>
-        <p:cNvGrpSpPr/>
-        <p:nvPr/>
-      </p:nvGrpSpPr>
-      <p:grpSpPr>
-        <a:xfrm>
-          <a:off x="0" y="0"/>
-          <a:ext cx="0" cy="0"/>
-          <a:chOff x="0" y="0"/>
-          <a:chExt cx="0" cy="0"/>
-        </a:xfrm>
-      </p:grpSpPr>
-      <p:sp>
-        <p:nvSpPr>
-          <p:cNvPr id="3" name="内容占位符 2">
-            <a:extLst>
-              <a:ext uri="{FF2B5EF4-FFF2-40B4-BE49-F238E27FC236}">
-                <a16:creationId xmlns:a16="http://schemas.microsoft.com/office/drawing/2014/main" id="{3611F76D-1C49-95FF-D462-42ECE0F046E5}"/>
-              </a:ext>
-            </a:extLst>
-          </p:cNvPr>
-          <p:cNvSpPr>
-            <a:spLocks noGrp="1"/>
-          </p:cNvSpPr>
-          <p:nvPr>
-            <p:ph idx="1"/>
-          </p:nvPr>
-        </p:nvSpPr>
-        <p:spPr>
-          <a:xfrm>
-            <a:off x="838200" y="1129446"/>
-            <a:ext cx="10515600" cy="5464175"/>
-          </a:xfrm>
-        </p:spPr>
-        <p:txBody>
-          <a:bodyPr/>
-          <a:lstStyle/>
-          <a:p>
-            <a:pPr lvl="1">
-              <a:lnSpc>
-                <a:spcPct val="150000"/>
-              </a:lnSpc>
-            </a:pPr>
-            <a:r>
-              <a:rPr lang="zh-CN" altLang="en-US" sz="1600" dirty="0">
-                <a:latin typeface="楷体" panose="02010609060101010101" pitchFamily="49" charset="-122"/>
-                <a:ea typeface="楷体" panose="02010609060101010101" pitchFamily="49" charset="-122"/>
-              </a:rPr>
-              <a:t>安全，</a:t>
-            </a:r>
-            <a:r>
-              <a:rPr lang="en-US" altLang="zh-CN" sz="1600" dirty="0" err="1">
-                <a:latin typeface="楷体" panose="02010609060101010101" pitchFamily="49" charset="-122"/>
-                <a:ea typeface="楷体" panose="02010609060101010101" pitchFamily="49" charset="-122"/>
-              </a:rPr>
-              <a:t>LSM（Linux</a:t>
-            </a:r>
-            <a:r>
-              <a:rPr lang="en-US" altLang="zh-CN" sz="1600" dirty="0">
-                <a:latin typeface="楷体" panose="02010609060101010101" pitchFamily="49" charset="-122"/>
-                <a:ea typeface="楷体" panose="02010609060101010101" pitchFamily="49" charset="-122"/>
-              </a:rPr>
-              <a:t> Security Module）</a:t>
-            </a:r>
-            <a:r>
-              <a:rPr lang="zh-CN" altLang="en-US" sz="1600" dirty="0">
-                <a:latin typeface="楷体" panose="02010609060101010101" pitchFamily="49" charset="-122"/>
-                <a:ea typeface="楷体" panose="02010609060101010101" pitchFamily="49" charset="-122"/>
-              </a:rPr>
-              <a:t>。</a:t>
-            </a:r>
-            <a:endParaRPr lang="en-US" altLang="zh-CN" sz="1600" dirty="0">
-              <a:latin typeface="楷体" panose="02010609060101010101" pitchFamily="49" charset="-122"/>
-              <a:ea typeface="楷体" panose="02010609060101010101" pitchFamily="49" charset="-122"/>
-            </a:endParaRPr>
-          </a:p>
-          <a:p>
-            <a:pPr marL="457200" lvl="1" indent="0">
-              <a:lnSpc>
-                <a:spcPct val="150000"/>
-              </a:lnSpc>
-              <a:buNone/>
-            </a:pPr>
-            <a:r>
-              <a:rPr lang="en-US" altLang="zh-CN" sz="1600" dirty="0">
-                <a:latin typeface="楷体" panose="02010609060101010101" pitchFamily="49" charset="-122"/>
-                <a:ea typeface="楷体" panose="02010609060101010101" pitchFamily="49" charset="-122"/>
-              </a:rPr>
-              <a:t>LSM</a:t>
-            </a:r>
-            <a:r>
-              <a:rPr lang="zh-CN" altLang="en-US" sz="1600" dirty="0">
-                <a:latin typeface="楷体" panose="02010609060101010101" pitchFamily="49" charset="-122"/>
-                <a:ea typeface="楷体" panose="02010609060101010101" pitchFamily="49" charset="-122"/>
-              </a:rPr>
-              <a:t>有上百个</a:t>
-            </a:r>
-            <a:r>
-              <a:rPr lang="en-US" altLang="zh-CN" sz="1600" dirty="0">
-                <a:latin typeface="楷体" panose="02010609060101010101" pitchFamily="49" charset="-122"/>
-                <a:ea typeface="楷体" panose="02010609060101010101" pitchFamily="49" charset="-122"/>
-              </a:rPr>
-              <a:t>hook</a:t>
-            </a:r>
-            <a:r>
-              <a:rPr lang="zh-CN" altLang="en-US" sz="1600" dirty="0">
-                <a:latin typeface="楷体" panose="02010609060101010101" pitchFamily="49" charset="-122"/>
-                <a:ea typeface="楷体" panose="02010609060101010101" pitchFamily="49" charset="-122"/>
-              </a:rPr>
-              <a:t>点，下面的代码在执行</a:t>
-            </a:r>
-            <a:r>
-              <a:rPr lang="en-US" altLang="zh-CN" sz="1600" dirty="0" err="1">
-                <a:latin typeface="楷体" panose="02010609060101010101" pitchFamily="49" charset="-122"/>
-                <a:ea typeface="楷体" panose="02010609060101010101" pitchFamily="49" charset="-122"/>
-              </a:rPr>
-              <a:t>chmod</a:t>
-            </a:r>
-            <a:r>
-              <a:rPr lang="zh-CN" altLang="en-US" sz="1600" dirty="0">
-                <a:latin typeface="楷体" panose="02010609060101010101" pitchFamily="49" charset="-122"/>
-                <a:ea typeface="楷体" panose="02010609060101010101" pitchFamily="49" charset="-122"/>
-              </a:rPr>
-              <a:t>改变某个文件权限时会触发</a:t>
-            </a:r>
-            <a:endParaRPr lang="en-US" altLang="zh-CN" sz="1600" dirty="0">
-              <a:latin typeface="楷体" panose="02010609060101010101" pitchFamily="49" charset="-122"/>
-              <a:ea typeface="楷体" panose="02010609060101010101" pitchFamily="49" charset="-122"/>
-            </a:endParaRPr>
-          </a:p>
-          <a:p>
-            <a:pPr marL="457200" lvl="1" indent="0">
-              <a:lnSpc>
-                <a:spcPct val="150000"/>
-              </a:lnSpc>
-              <a:buNone/>
-            </a:pPr>
-            <a:r>
-              <a:rPr lang="en-US" altLang="zh-CN" sz="1600" dirty="0">
-                <a:latin typeface="楷体" panose="02010609060101010101" pitchFamily="49" charset="-122"/>
-                <a:ea typeface="楷体" panose="02010609060101010101" pitchFamily="49" charset="-122"/>
-              </a:rPr>
-              <a:t>LSM hook</a:t>
-            </a:r>
-            <a:r>
-              <a:rPr lang="zh-CN" altLang="en-US" sz="1600" dirty="0">
-                <a:latin typeface="楷体" panose="02010609060101010101" pitchFamily="49" charset="-122"/>
-                <a:ea typeface="楷体" panose="02010609060101010101" pitchFamily="49" charset="-122"/>
-              </a:rPr>
-              <a:t>，这里可以做相应的安全策略，如果不允许执行返回非零，内核</a:t>
-            </a:r>
-            <a:endParaRPr lang="en-US" altLang="zh-CN" sz="1600" dirty="0">
-              <a:latin typeface="楷体" panose="02010609060101010101" pitchFamily="49" charset="-122"/>
-              <a:ea typeface="楷体" panose="02010609060101010101" pitchFamily="49" charset="-122"/>
-            </a:endParaRPr>
-          </a:p>
-          <a:p>
-            <a:pPr marL="457200" lvl="1" indent="0">
-              <a:lnSpc>
-                <a:spcPct val="150000"/>
-              </a:lnSpc>
-              <a:buNone/>
-            </a:pPr>
-            <a:r>
-              <a:rPr lang="zh-CN" altLang="en-US" sz="1600" dirty="0">
-                <a:latin typeface="楷体" panose="02010609060101010101" pitchFamily="49" charset="-122"/>
-                <a:ea typeface="楷体" panose="02010609060101010101" pitchFamily="49" charset="-122"/>
-              </a:rPr>
-              <a:t>将拒绝执行该命令。</a:t>
-            </a:r>
-            <a:r>
-              <a:rPr lang="en-US" altLang="zh-CN" sz="1200" dirty="0">
-                <a:hlinkClick r:id="rId2"/>
-              </a:rPr>
-              <a:t> LSM BPF Programs — The Linux Kernel documentation</a:t>
-            </a:r>
-            <a:r>
-              <a:rPr lang="zh-CN" altLang="en-US" sz="1200" dirty="0"/>
-              <a:t>，</a:t>
-            </a:r>
-            <a:r>
-              <a:rPr lang="en-US" altLang="zh-CN" sz="1200" dirty="0"/>
-              <a:t>kernel</a:t>
-            </a:r>
-            <a:r>
-              <a:rPr lang="zh-CN" altLang="en-US" sz="1200" dirty="0"/>
-              <a:t>：</a:t>
-            </a:r>
-            <a:r>
-              <a:rPr lang="en-US" altLang="zh-CN" sz="1200" dirty="0"/>
-              <a:t>5.7</a:t>
-            </a:r>
-            <a:endParaRPr lang="en-US" altLang="zh-CN" sz="1600" dirty="0">
-              <a:latin typeface="楷体" panose="02010609060101010101" pitchFamily="49" charset="-122"/>
-              <a:ea typeface="楷体" panose="02010609060101010101" pitchFamily="49" charset="-122"/>
-            </a:endParaRPr>
-          </a:p>
-          <a:p>
-            <a:pPr marL="457200" lvl="1" indent="0">
-              <a:lnSpc>
-                <a:spcPct val="150000"/>
-              </a:lnSpc>
-              <a:buNone/>
-            </a:pPr>
-            <a:endParaRPr lang="en-US" altLang="zh-CN" sz="1600" dirty="0">
-              <a:latin typeface="楷体" panose="02010609060101010101" pitchFamily="49" charset="-122"/>
-              <a:ea typeface="楷体" panose="02010609060101010101" pitchFamily="49" charset="-122"/>
-            </a:endParaRPr>
-          </a:p>
-          <a:p>
-            <a:pPr lvl="1">
-              <a:lnSpc>
-                <a:spcPct val="150000"/>
-              </a:lnSpc>
-            </a:pPr>
-            <a:endParaRPr lang="en-US" altLang="zh-CN" sz="1600" dirty="0">
-              <a:latin typeface="楷体" panose="02010609060101010101" pitchFamily="49" charset="-122"/>
-              <a:ea typeface="楷体" panose="02010609060101010101" pitchFamily="49" charset="-122"/>
-            </a:endParaRPr>
-          </a:p>
-          <a:p>
-            <a:pPr marL="457200" lvl="1" indent="0">
-              <a:lnSpc>
-                <a:spcPct val="150000"/>
-              </a:lnSpc>
-              <a:buNone/>
-            </a:pPr>
-            <a:endParaRPr lang="en-US" altLang="zh-CN" sz="1600" dirty="0">
-              <a:latin typeface="楷体" panose="02010609060101010101" pitchFamily="49" charset="-122"/>
-              <a:ea typeface="楷体" panose="02010609060101010101" pitchFamily="49" charset="-122"/>
-            </a:endParaRPr>
-          </a:p>
-          <a:p>
-            <a:pPr marL="457200" lvl="1" indent="0">
-              <a:lnSpc>
-                <a:spcPct val="150000"/>
-              </a:lnSpc>
-              <a:buNone/>
-            </a:pPr>
-            <a:r>
-              <a:rPr lang="zh-CN" altLang="en-US" sz="1600" dirty="0">
-                <a:latin typeface="楷体" panose="02010609060101010101" pitchFamily="49" charset="-122"/>
-                <a:ea typeface="楷体" panose="02010609060101010101" pitchFamily="49" charset="-122"/>
-              </a:rPr>
-              <a:t>对内核版本要求比较新。基于此业界也有其它的处理方式，例如</a:t>
-            </a:r>
-            <a:endParaRPr lang="en-US" altLang="zh-CN" sz="1600" dirty="0">
-              <a:latin typeface="楷体" panose="02010609060101010101" pitchFamily="49" charset="-122"/>
-              <a:ea typeface="楷体" panose="02010609060101010101" pitchFamily="49" charset="-122"/>
-            </a:endParaRPr>
-          </a:p>
-          <a:p>
-            <a:pPr marL="457200" lvl="1" indent="0">
-              <a:lnSpc>
-                <a:spcPct val="150000"/>
-              </a:lnSpc>
-              <a:buNone/>
-            </a:pPr>
-            <a:r>
-              <a:rPr lang="en-US" altLang="zh-CN" sz="1600" dirty="0">
-                <a:latin typeface="楷体" panose="02010609060101010101" pitchFamily="49" charset="-122"/>
-                <a:ea typeface="楷体" panose="02010609060101010101" pitchFamily="49" charset="-122"/>
-              </a:rPr>
-              <a:t>Tetragon</a:t>
-            </a:r>
-            <a:r>
-              <a:rPr lang="zh-CN" altLang="en-US" sz="1600" dirty="0">
-                <a:latin typeface="楷体" panose="02010609060101010101" pitchFamily="49" charset="-122"/>
-                <a:ea typeface="楷体" panose="02010609060101010101" pitchFamily="49" charset="-122"/>
-              </a:rPr>
-              <a:t>的阻断方式，</a:t>
-            </a:r>
-            <a:r>
-              <a:rPr lang="en-US" altLang="zh-CN" sz="1600" dirty="0">
-                <a:latin typeface="楷体" panose="02010609060101010101" pitchFamily="49" charset="-122"/>
-                <a:ea typeface="楷体" panose="02010609060101010101" pitchFamily="49" charset="-122"/>
-              </a:rPr>
-              <a:t>hook</a:t>
-            </a:r>
-            <a:r>
-              <a:rPr lang="zh-CN" altLang="en-US" sz="1600" dirty="0">
-                <a:latin typeface="楷体" panose="02010609060101010101" pitchFamily="49" charset="-122"/>
-                <a:ea typeface="楷体" panose="02010609060101010101" pitchFamily="49" charset="-122"/>
-              </a:rPr>
-              <a:t>系统内核函数，进行匹配过滤。</a:t>
-            </a:r>
-            <a:endParaRPr lang="en-US" altLang="zh-CN" sz="1600" dirty="0">
-              <a:latin typeface="楷体" panose="02010609060101010101" pitchFamily="49" charset="-122"/>
-              <a:ea typeface="楷体" panose="02010609060101010101" pitchFamily="49" charset="-122"/>
-            </a:endParaRPr>
-          </a:p>
-          <a:p>
-            <a:pPr marL="457200" lvl="1" indent="0">
-              <a:lnSpc>
-                <a:spcPct val="150000"/>
-              </a:lnSpc>
-              <a:buNone/>
-            </a:pPr>
-            <a:endParaRPr lang="en-US" altLang="zh-CN" sz="1600" dirty="0">
-              <a:latin typeface="楷体" panose="02010609060101010101" pitchFamily="49" charset="-122"/>
-              <a:ea typeface="楷体" panose="02010609060101010101" pitchFamily="49" charset="-122"/>
-            </a:endParaRPr>
-          </a:p>
-        </p:txBody>
-      </p:sp>
-      <p:sp>
-        <p:nvSpPr>
-          <p:cNvPr id="4" name="标题 4">
-            <a:extLst>
-              <a:ext uri="{FF2B5EF4-FFF2-40B4-BE49-F238E27FC236}">
-                <a16:creationId xmlns:a16="http://schemas.microsoft.com/office/drawing/2014/main" id="{D0CB5AFB-5AC6-8084-C0FC-1403A383A61F}"/>
-              </a:ext>
-            </a:extLst>
-          </p:cNvPr>
-          <p:cNvSpPr txBox="1">
-            <a:spLocks/>
-          </p:cNvSpPr>
-          <p:nvPr/>
-        </p:nvSpPr>
-        <p:spPr>
-          <a:xfrm>
-            <a:off x="838200" y="365125"/>
-            <a:ext cx="10515600" cy="663575"/>
-          </a:xfrm>
-          <a:prstGeom prst="rect">
-            <a:avLst/>
-          </a:prstGeom>
-        </p:spPr>
-        <p:txBody>
-          <a:bodyPr vert="horz" lIns="91440" tIns="45720" rIns="91440" bIns="45720" rtlCol="0" anchor="ctr">
-            <a:normAutofit/>
-          </a:bodyPr>
-          <a:lstStyle>
-            <a:lvl1pPr algn="l" defTabSz="914400" rtl="0" eaLnBrk="1" latinLnBrk="0" hangingPunct="1">
-              <a:lnSpc>
-                <a:spcPct val="90000"/>
-              </a:lnSpc>
-              <a:spcBef>
-                <a:spcPct val="0"/>
-              </a:spcBef>
-              <a:buNone/>
-              <a:defRPr sz="4400" kern="1200">
-                <a:solidFill>
-                  <a:schemeClr val="tx1"/>
-                </a:solidFill>
-                <a:latin typeface="+mj-lt"/>
-                <a:ea typeface="+mj-ea"/>
-                <a:cs typeface="+mj-cs"/>
-              </a:defRPr>
-            </a:lvl1pPr>
-          </a:lstStyle>
-          <a:p>
-            <a:r>
-              <a:rPr lang="zh-CN" altLang="en-US" sz="2800" dirty="0">
-                <a:latin typeface="楷体" panose="02010609060101010101" pitchFamily="49" charset="-122"/>
-                <a:ea typeface="楷体" panose="02010609060101010101" pitchFamily="49" charset="-122"/>
-              </a:rPr>
-              <a:t>在三个方向</a:t>
-            </a:r>
-            <a:r>
-              <a:rPr lang="zh-CN" altLang="en-US" sz="2800" dirty="0">
-                <a:latin typeface="微软雅黑" panose="020B0503020204020204" pitchFamily="34" charset="-122"/>
-                <a:ea typeface="微软雅黑" panose="020B0503020204020204" pitchFamily="34" charset="-122"/>
-              </a:rPr>
-              <a:t>实践方向</a:t>
-            </a:r>
-          </a:p>
-        </p:txBody>
-      </p:sp>
-      <p:pic>
-        <p:nvPicPr>
-          <p:cNvPr id="5" name="图片 4">
-            <a:extLst>
-              <a:ext uri="{FF2B5EF4-FFF2-40B4-BE49-F238E27FC236}">
-                <a16:creationId xmlns:a16="http://schemas.microsoft.com/office/drawing/2014/main" id="{152A012B-FBA2-A62A-9B39-F8F90961634B}"/>
-              </a:ext>
-            </a:extLst>
-          </p:cNvPr>
-          <p:cNvPicPr>
-            <a:picLocks noChangeAspect="1"/>
-          </p:cNvPicPr>
-          <p:nvPr/>
-        </p:nvPicPr>
-        <p:blipFill>
-          <a:blip r:embed="rId3"/>
-          <a:stretch>
-            <a:fillRect/>
-          </a:stretch>
-        </p:blipFill>
-        <p:spPr>
-          <a:xfrm>
-            <a:off x="745578" y="264378"/>
-            <a:ext cx="1927334" cy="677612"/>
-          </a:xfrm>
-          <a:prstGeom prst="rect">
-            <a:avLst/>
-          </a:prstGeom>
-        </p:spPr>
-      </p:pic>
-      <p:pic>
-        <p:nvPicPr>
-          <p:cNvPr id="7" name="图片 6">
-            <a:extLst>
-              <a:ext uri="{FF2B5EF4-FFF2-40B4-BE49-F238E27FC236}">
-                <a16:creationId xmlns:a16="http://schemas.microsoft.com/office/drawing/2014/main" id="{7BBDF3E6-C7D7-135E-755A-E6085E8C3247}"/>
-              </a:ext>
-            </a:extLst>
-          </p:cNvPr>
-          <p:cNvPicPr>
-            <a:picLocks noChangeAspect="1"/>
-          </p:cNvPicPr>
-          <p:nvPr/>
-        </p:nvPicPr>
-        <p:blipFill>
-          <a:blip r:embed="rId4"/>
-          <a:stretch>
-            <a:fillRect/>
-          </a:stretch>
-        </p:blipFill>
-        <p:spPr>
-          <a:xfrm>
-            <a:off x="8082688" y="1256667"/>
-            <a:ext cx="3328329" cy="3009603"/>
-          </a:xfrm>
-          <a:prstGeom prst="rect">
-            <a:avLst/>
-          </a:prstGeom>
-        </p:spPr>
-      </p:pic>
-      <p:pic>
-        <p:nvPicPr>
-          <p:cNvPr id="9" name="图片 8">
-            <a:extLst>
-              <a:ext uri="{FF2B5EF4-FFF2-40B4-BE49-F238E27FC236}">
-                <a16:creationId xmlns:a16="http://schemas.microsoft.com/office/drawing/2014/main" id="{D6AACD6C-4870-07F6-92C8-0EE89F240333}"/>
-              </a:ext>
-            </a:extLst>
-          </p:cNvPr>
-          <p:cNvPicPr>
-            <a:picLocks noChangeAspect="1"/>
-          </p:cNvPicPr>
-          <p:nvPr/>
-        </p:nvPicPr>
-        <p:blipFill>
-          <a:blip r:embed="rId5"/>
-          <a:stretch>
-            <a:fillRect/>
-          </a:stretch>
-        </p:blipFill>
-        <p:spPr>
-          <a:xfrm>
-            <a:off x="1340691" y="3045988"/>
-            <a:ext cx="5570703" cy="1013548"/>
-          </a:xfrm>
-          <a:prstGeom prst="rect">
-            <a:avLst/>
-          </a:prstGeom>
-        </p:spPr>
-      </p:pic>
-    </p:spTree>
-    <p:extLst>
-      <p:ext uri="{BB962C8B-B14F-4D97-AF65-F5344CB8AC3E}">
-        <p14:creationId xmlns:p14="http://schemas.microsoft.com/office/powerpoint/2010/main" val="2999874406"/>
-      </p:ext>
-    </p:extLst>
-  </p:cSld>
-  <p:clrMapOvr>
-    <a:masterClrMapping/>
-  </p:clrMapOvr>
-</p:sld>
-</file>
-
 <file path=ppt/theme/theme1.xml><?xml version="1.0" encoding="utf-8"?>
 <a:theme xmlns:a="http://schemas.openxmlformats.org/drawingml/2006/main" name="Office 主题​​">
   <a:themeElements>
@@ -9669,7 +10051,7 @@
         <a:sysClr val="windowText" lastClr="000000"/>
       </a:dk1>
       <a:lt1>
-        <a:sysClr val="window" lastClr="CCE8CF"/>
+        <a:sysClr val="window" lastClr="FFFFFF"/>
       </a:lt1>
       <a:dk2>
         <a:srgbClr val="44546A"/>
@@ -9964,7 +10346,7 @@
         <a:sysClr val="windowText" lastClr="000000"/>
       </a:dk1>
       <a:lt1>
-        <a:sysClr val="window" lastClr="CCE8CF"/>
+        <a:sysClr val="window" lastClr="FFFFFF"/>
       </a:lt1>
       <a:dk2>
         <a:srgbClr val="44546A"/>

--- a/doc/ebpf技术探索、实践.pptx
+++ b/doc/ebpf技术探索、实践.pptx
@@ -5,7 +5,7 @@
     <p:sldMasterId id="2147483648" r:id="rId1"/>
   </p:sldMasterIdLst>
   <p:notesMasterIdLst>
-    <p:notesMasterId r:id="rId17"/>
+    <p:notesMasterId r:id="rId16"/>
   </p:notesMasterIdLst>
   <p:sldIdLst>
     <p:sldId id="256" r:id="rId2"/>
@@ -21,8 +21,7 @@
     <p:sldId id="268" r:id="rId12"/>
     <p:sldId id="266" r:id="rId13"/>
     <p:sldId id="262" r:id="rId14"/>
-    <p:sldId id="264" r:id="rId15"/>
-    <p:sldId id="269" r:id="rId16"/>
+    <p:sldId id="269" r:id="rId15"/>
   </p:sldIdLst>
   <p:sldSz cx="12192000" cy="6858000"/>
   <p:notesSz cx="6858000" cy="9144000"/>
@@ -211,7 +210,7 @@
           <a:p>
             <a:fld id="{793E448A-3C21-445A-9EBA-50C6D97BEC3D}" type="datetimeFigureOut">
               <a:rPr lang="zh-CN" altLang="en-US" smtClean="0"/>
-              <a:t>2023/1/13</a:t>
+              <a:t>2023/6/19</a:t>
             </a:fld>
             <a:endParaRPr lang="zh-CN" altLang="en-US"/>
           </a:p>
@@ -1023,7 +1022,7 @@
           <a:p>
             <a:fld id="{09F30A3F-0F86-4108-A488-99919F089874}" type="datetimeFigureOut">
               <a:rPr lang="zh-CN" altLang="en-US" smtClean="0"/>
-              <a:t>2023/1/13</a:t>
+              <a:t>2023/6/19</a:t>
             </a:fld>
             <a:endParaRPr lang="zh-CN" altLang="en-US"/>
           </a:p>
@@ -1221,7 +1220,7 @@
           <a:p>
             <a:fld id="{09F30A3F-0F86-4108-A488-99919F089874}" type="datetimeFigureOut">
               <a:rPr lang="zh-CN" altLang="en-US" smtClean="0"/>
-              <a:t>2023/1/13</a:t>
+              <a:t>2023/6/19</a:t>
             </a:fld>
             <a:endParaRPr lang="zh-CN" altLang="en-US"/>
           </a:p>
@@ -1429,7 +1428,7 @@
           <a:p>
             <a:fld id="{09F30A3F-0F86-4108-A488-99919F089874}" type="datetimeFigureOut">
               <a:rPr lang="zh-CN" altLang="en-US" smtClean="0"/>
-              <a:t>2023/1/13</a:t>
+              <a:t>2023/6/19</a:t>
             </a:fld>
             <a:endParaRPr lang="zh-CN" altLang="en-US"/>
           </a:p>
@@ -1627,7 +1626,7 @@
           <a:p>
             <a:fld id="{09F30A3F-0F86-4108-A488-99919F089874}" type="datetimeFigureOut">
               <a:rPr lang="zh-CN" altLang="en-US" smtClean="0"/>
-              <a:t>2023/1/13</a:t>
+              <a:t>2023/6/19</a:t>
             </a:fld>
             <a:endParaRPr lang="zh-CN" altLang="en-US"/>
           </a:p>
@@ -1902,7 +1901,7 @@
           <a:p>
             <a:fld id="{09F30A3F-0F86-4108-A488-99919F089874}" type="datetimeFigureOut">
               <a:rPr lang="zh-CN" altLang="en-US" smtClean="0"/>
-              <a:t>2023/1/13</a:t>
+              <a:t>2023/6/19</a:t>
             </a:fld>
             <a:endParaRPr lang="zh-CN" altLang="en-US"/>
           </a:p>
@@ -2167,7 +2166,7 @@
           <a:p>
             <a:fld id="{09F30A3F-0F86-4108-A488-99919F089874}" type="datetimeFigureOut">
               <a:rPr lang="zh-CN" altLang="en-US" smtClean="0"/>
-              <a:t>2023/1/13</a:t>
+              <a:t>2023/6/19</a:t>
             </a:fld>
             <a:endParaRPr lang="zh-CN" altLang="en-US"/>
           </a:p>
@@ -2579,7 +2578,7 @@
           <a:p>
             <a:fld id="{09F30A3F-0F86-4108-A488-99919F089874}" type="datetimeFigureOut">
               <a:rPr lang="zh-CN" altLang="en-US" smtClean="0"/>
-              <a:t>2023/1/13</a:t>
+              <a:t>2023/6/19</a:t>
             </a:fld>
             <a:endParaRPr lang="zh-CN" altLang="en-US"/>
           </a:p>
@@ -2720,7 +2719,7 @@
           <a:p>
             <a:fld id="{09F30A3F-0F86-4108-A488-99919F089874}" type="datetimeFigureOut">
               <a:rPr lang="zh-CN" altLang="en-US" smtClean="0"/>
-              <a:t>2023/1/13</a:t>
+              <a:t>2023/6/19</a:t>
             </a:fld>
             <a:endParaRPr lang="zh-CN" altLang="en-US"/>
           </a:p>
@@ -2833,7 +2832,7 @@
           <a:p>
             <a:fld id="{09F30A3F-0F86-4108-A488-99919F089874}" type="datetimeFigureOut">
               <a:rPr lang="zh-CN" altLang="en-US" smtClean="0"/>
-              <a:t>2023/1/13</a:t>
+              <a:t>2023/6/19</a:t>
             </a:fld>
             <a:endParaRPr lang="zh-CN" altLang="en-US"/>
           </a:p>
@@ -3144,7 +3143,7 @@
           <a:p>
             <a:fld id="{09F30A3F-0F86-4108-A488-99919F089874}" type="datetimeFigureOut">
               <a:rPr lang="zh-CN" altLang="en-US" smtClean="0"/>
-              <a:t>2023/1/13</a:t>
+              <a:t>2023/6/19</a:t>
             </a:fld>
             <a:endParaRPr lang="zh-CN" altLang="en-US"/>
           </a:p>
@@ -3432,7 +3431,7 @@
           <a:p>
             <a:fld id="{09F30A3F-0F86-4108-A488-99919F089874}" type="datetimeFigureOut">
               <a:rPr lang="zh-CN" altLang="en-US" smtClean="0"/>
-              <a:t>2023/1/13</a:t>
+              <a:t>2023/6/19</a:t>
             </a:fld>
             <a:endParaRPr lang="zh-CN" altLang="en-US"/>
           </a:p>
@@ -3673,7 +3672,7 @@
           <a:p>
             <a:fld id="{09F30A3F-0F86-4108-A488-99919F089874}" type="datetimeFigureOut">
               <a:rPr lang="zh-CN" altLang="en-US" smtClean="0"/>
-              <a:t>2023/1/13</a:t>
+              <a:t>2023/6/19</a:t>
             </a:fld>
             <a:endParaRPr lang="zh-CN" altLang="en-US"/>
           </a:p>
@@ -6133,148 +6132,6 @@
 </file>
 
 <file path=ppt/slides/slide14.xml><?xml version="1.0" encoding="utf-8"?>
-<p:sld xmlns:a="http://schemas.openxmlformats.org/drawingml/2006/main" xmlns:r="http://schemas.openxmlformats.org/officeDocument/2006/relationships" xmlns:p="http://schemas.openxmlformats.org/presentationml/2006/main">
-  <p:cSld>
-    <p:spTree>
-      <p:nvGrpSpPr>
-        <p:cNvPr id="1" name=""/>
-        <p:cNvGrpSpPr/>
-        <p:nvPr/>
-      </p:nvGrpSpPr>
-      <p:grpSpPr>
-        <a:xfrm>
-          <a:off x="0" y="0"/>
-          <a:ext cx="0" cy="0"/>
-          <a:chOff x="0" y="0"/>
-          <a:chExt cx="0" cy="0"/>
-        </a:xfrm>
-      </p:grpSpPr>
-      <p:sp>
-        <p:nvSpPr>
-          <p:cNvPr id="3" name="内容占位符 2">
-            <a:extLst>
-              <a:ext uri="{FF2B5EF4-FFF2-40B4-BE49-F238E27FC236}">
-                <a16:creationId xmlns:a16="http://schemas.microsoft.com/office/drawing/2014/main" id="{11917C05-9572-4374-80AB-664E7FD94B0E}"/>
-              </a:ext>
-            </a:extLst>
-          </p:cNvPr>
-          <p:cNvSpPr>
-            <a:spLocks noGrp="1"/>
-          </p:cNvSpPr>
-          <p:nvPr>
-            <p:ph idx="1"/>
-          </p:nvPr>
-        </p:nvSpPr>
-        <p:spPr>
-          <a:xfrm>
-            <a:off x="838200" y="1216550"/>
-            <a:ext cx="10515600" cy="5276325"/>
-          </a:xfrm>
-        </p:spPr>
-        <p:txBody>
-          <a:bodyPr/>
-          <a:lstStyle/>
-          <a:p>
-            <a:endParaRPr lang="zh-CN" altLang="en-US" dirty="0"/>
-          </a:p>
-        </p:txBody>
-      </p:sp>
-      <p:sp>
-        <p:nvSpPr>
-          <p:cNvPr id="4" name="标题 4">
-            <a:extLst>
-              <a:ext uri="{FF2B5EF4-FFF2-40B4-BE49-F238E27FC236}">
-                <a16:creationId xmlns:a16="http://schemas.microsoft.com/office/drawing/2014/main" id="{52B159A7-CAAD-4268-98ED-4A4FC450A12F}"/>
-              </a:ext>
-            </a:extLst>
-          </p:cNvPr>
-          <p:cNvSpPr>
-            <a:spLocks noGrp="1"/>
-          </p:cNvSpPr>
-          <p:nvPr>
-            <p:ph type="title"/>
-          </p:nvPr>
-        </p:nvSpPr>
-        <p:spPr>
-          <a:xfrm>
-            <a:off x="838200" y="365125"/>
-            <a:ext cx="10515600" cy="663575"/>
-          </a:xfrm>
-        </p:spPr>
-        <p:txBody>
-          <a:bodyPr>
-            <a:normAutofit/>
-          </a:bodyPr>
-          <a:lstStyle/>
-          <a:p>
-            <a:r>
-              <a:rPr lang="zh-CN" altLang="en-US" sz="2800" dirty="0">
-                <a:latin typeface="微软雅黑" panose="020B0503020204020204" pitchFamily="34" charset="-122"/>
-                <a:ea typeface="微软雅黑" panose="020B0503020204020204" pitchFamily="34" charset="-122"/>
-              </a:rPr>
-              <a:t>                 生态</a:t>
-            </a:r>
-            <a:r>
-              <a:rPr lang="en-US" altLang="zh-CN" sz="2800" dirty="0">
-                <a:latin typeface="微软雅黑" panose="020B0503020204020204" pitchFamily="34" charset="-122"/>
-                <a:ea typeface="微软雅黑" panose="020B0503020204020204" pitchFamily="34" charset="-122"/>
-              </a:rPr>
-              <a:t>&amp;</a:t>
-            </a:r>
-            <a:r>
-              <a:rPr lang="zh-CN" altLang="en-US" sz="2800" dirty="0">
-                <a:latin typeface="微软雅黑" panose="020B0503020204020204" pitchFamily="34" charset="-122"/>
-                <a:ea typeface="微软雅黑" panose="020B0503020204020204" pitchFamily="34" charset="-122"/>
-              </a:rPr>
-              <a:t>业界</a:t>
-            </a:r>
-          </a:p>
-        </p:txBody>
-      </p:sp>
-      <p:pic>
-        <p:nvPicPr>
-          <p:cNvPr id="5" name="图片 4">
-            <a:extLst>
-              <a:ext uri="{FF2B5EF4-FFF2-40B4-BE49-F238E27FC236}">
-                <a16:creationId xmlns:a16="http://schemas.microsoft.com/office/drawing/2014/main" id="{CE353CC2-328F-4EF4-B59B-B1D322BE19C7}"/>
-              </a:ext>
-            </a:extLst>
-          </p:cNvPr>
-          <p:cNvPicPr>
-            <a:picLocks noChangeAspect="1"/>
-          </p:cNvPicPr>
-          <p:nvPr/>
-        </p:nvPicPr>
-        <p:blipFill>
-          <a:blip r:embed="rId2"/>
-          <a:stretch>
-            <a:fillRect/>
-          </a:stretch>
-        </p:blipFill>
-        <p:spPr>
-          <a:xfrm>
-            <a:off x="745578" y="264378"/>
-            <a:ext cx="1927334" cy="677612"/>
-          </a:xfrm>
-          <a:prstGeom prst="rect">
-            <a:avLst/>
-          </a:prstGeom>
-        </p:spPr>
-      </p:pic>
-    </p:spTree>
-    <p:extLst>
-      <p:ext uri="{BB962C8B-B14F-4D97-AF65-F5344CB8AC3E}">
-        <p14:creationId xmlns:p14="http://schemas.microsoft.com/office/powerpoint/2010/main" val="3343807625"/>
-      </p:ext>
-    </p:extLst>
-  </p:cSld>
-  <p:clrMapOvr>
-    <a:masterClrMapping/>
-  </p:clrMapOvr>
-</p:sld>
-</file>
-
-<file path=ppt/slides/slide15.xml><?xml version="1.0" encoding="utf-8"?>
 <p:sld xmlns:a="http://schemas.openxmlformats.org/drawingml/2006/main" xmlns:r="http://schemas.openxmlformats.org/officeDocument/2006/relationships" xmlns:p="http://schemas.openxmlformats.org/presentationml/2006/main">
   <p:cSld>
     <p:spTree>
